--- a/Zero_knowledge_proof.pptx
+++ b/Zero_knowledge_proof.pptx
@@ -247,7 +247,7 @@
             <a:pPr rtl="0"/>
             <a:fld id="{6E3F634E-7AAD-4D1B-8944-3921EA0E5915}" type="datetime1">
               <a:rPr lang="fr-FR" smtClean="0"/>
-              <a:t>04/02/2022</a:t>
+              <a:t>23/02/2022</a:t>
             </a:fld>
             <a:endParaRPr lang="fr-FR" dirty="0"/>
           </a:p>
@@ -428,7 +428,7 @@
             <a:fld id="{38C3045F-D32A-43F9-990C-99C552A137F5}" type="datetime1">
               <a:rPr lang="fr-FR" smtClean="0"/>
               <a:pPr/>
-              <a:t>04/02/2022</a:t>
+              <a:t>23/02/2022</a:t>
             </a:fld>
             <a:endParaRPr lang="fr-FR" dirty="0"/>
           </a:p>
@@ -1719,7 +1719,7 @@
             <a:pPr rtl="0"/>
             <a:fld id="{130C27DE-B4EA-46A0-B61D-8D68D7918FDE}" type="datetime1">
               <a:rPr lang="fr-FR" noProof="0" smtClean="0"/>
-              <a:t>04/02/2022</a:t>
+              <a:t>23/02/2022</a:t>
             </a:fld>
             <a:endParaRPr lang="fr-FR" noProof="0" dirty="0"/>
           </a:p>
@@ -1923,7 +1923,7 @@
             <a:pPr rtl="0"/>
             <a:fld id="{7283F28E-7492-462F-806A-78CAB64A322A}" type="datetime1">
               <a:rPr lang="fr-FR" noProof="0" smtClean="0"/>
-              <a:t>04/02/2022</a:t>
+              <a:t>23/02/2022</a:t>
             </a:fld>
             <a:endParaRPr lang="fr-FR" noProof="0" dirty="0"/>
           </a:p>
@@ -2137,7 +2137,7 @@
             <a:pPr rtl="0"/>
             <a:fld id="{DA4E0329-5023-4317-A8AB-DFC9DFD89FF5}" type="datetime1">
               <a:rPr lang="fr-FR" noProof="0" smtClean="0"/>
-              <a:t>04/02/2022</a:t>
+              <a:t>23/02/2022</a:t>
             </a:fld>
             <a:endParaRPr lang="fr-FR" noProof="0" dirty="0"/>
           </a:p>
@@ -2341,7 +2341,7 @@
             <a:pPr rtl="0"/>
             <a:fld id="{D4F04219-D929-4BD6-A169-AE312E2DF666}" type="datetime1">
               <a:rPr lang="fr-FR" noProof="0" smtClean="0"/>
-              <a:t>04/02/2022</a:t>
+              <a:t>23/02/2022</a:t>
             </a:fld>
             <a:endParaRPr lang="fr-FR" noProof="0" dirty="0"/>
           </a:p>
@@ -2621,7 +2621,7 @@
             <a:pPr rtl="0"/>
             <a:fld id="{B3A6F3AA-C7EB-49B0-BAEF-38739EDBF8CD}" type="datetime1">
               <a:rPr lang="fr-FR" noProof="0" smtClean="0"/>
-              <a:t>04/02/2022</a:t>
+              <a:t>23/02/2022</a:t>
             </a:fld>
             <a:endParaRPr lang="fr-FR" noProof="0" dirty="0"/>
           </a:p>
@@ -2893,7 +2893,7 @@
             <a:pPr rtl="0"/>
             <a:fld id="{5D9B995F-3051-4FB4-8ED9-B9681172EFCA}" type="datetime1">
               <a:rPr lang="fr-FR" noProof="0" smtClean="0"/>
-              <a:t>04/02/2022</a:t>
+              <a:t>23/02/2022</a:t>
             </a:fld>
             <a:endParaRPr lang="fr-FR" noProof="0" dirty="0"/>
           </a:p>
@@ -3312,7 +3312,7 @@
             <a:pPr rtl="0"/>
             <a:fld id="{B84C2E10-DE18-4CE3-8AC4-CC81E9B8C7C1}" type="datetime1">
               <a:rPr lang="fr-FR" noProof="0" smtClean="0"/>
-              <a:t>04/02/2022</a:t>
+              <a:t>23/02/2022</a:t>
             </a:fld>
             <a:endParaRPr lang="fr-FR" noProof="0" dirty="0"/>
           </a:p>
@@ -3458,7 +3458,7 @@
             <a:pPr rtl="0"/>
             <a:fld id="{FC272BFC-A3FB-4FD0-B8AA-9EF253E18286}" type="datetime1">
               <a:rPr lang="fr-FR" noProof="0" smtClean="0"/>
-              <a:t>04/02/2022</a:t>
+              <a:t>23/02/2022</a:t>
             </a:fld>
             <a:endParaRPr lang="fr-FR" noProof="0" dirty="0"/>
           </a:p>
@@ -3574,7 +3574,7 @@
             <a:pPr rtl="0"/>
             <a:fld id="{943337E3-3411-491D-8778-75B2E02D4763}" type="datetime1">
               <a:rPr lang="fr-FR" noProof="0" smtClean="0"/>
-              <a:t>04/02/2022</a:t>
+              <a:t>23/02/2022</a:t>
             </a:fld>
             <a:endParaRPr lang="fr-FR" noProof="0" dirty="0"/>
           </a:p>
@@ -3891,7 +3891,7 @@
             <a:pPr rtl="0"/>
             <a:fld id="{6A5EFD49-7AF9-4FFE-8211-EE232D12A6AF}" type="datetime1">
               <a:rPr lang="fr-FR" noProof="0" smtClean="0"/>
-              <a:t>04/02/2022</a:t>
+              <a:t>23/02/2022</a:t>
             </a:fld>
             <a:endParaRPr lang="fr-FR" noProof="0" dirty="0"/>
           </a:p>
@@ -4188,7 +4188,7 @@
             <a:pPr rtl="0"/>
             <a:fld id="{F7901195-D855-4315-9CDF-B182675C10E6}" type="datetime1">
               <a:rPr lang="fr-FR" noProof="0" smtClean="0"/>
-              <a:t>04/02/2022</a:t>
+              <a:t>23/02/2022</a:t>
             </a:fld>
             <a:endParaRPr lang="fr-FR" noProof="0" dirty="0"/>
           </a:p>
@@ -4433,7 +4433,7 @@
             <a:pPr rtl="0"/>
             <a:fld id="{3183BFAF-A5EC-4297-8AF8-49BEB3AE5276}" type="datetime1">
               <a:rPr lang="fr-FR" noProof="0" smtClean="0"/>
-              <a:t>04/02/2022</a:t>
+              <a:t>23/02/2022</a:t>
             </a:fld>
             <a:endParaRPr lang="fr-FR" noProof="0" dirty="0"/>
           </a:p>
@@ -5682,7 +5682,7 @@
                 <a:latin typeface="Segoe UI" panose="020B0502040204020203" pitchFamily="34" charset="0"/>
                 <a:cs typeface="Segoe UI" panose="020B0502040204020203" pitchFamily="34" charset="0"/>
               </a:rPr>
-              <a:t>Thanks</a:t>
+              <a:t>Thank</a:t>
             </a:r>
             <a:r>
               <a:rPr lang="fr-FR" sz="5400" b="1" dirty="0">
